--- a/CS2205.DeCuong.FinalReport.Slide.AIO.MAR2024.pptx
+++ b/CS2205.DeCuong.FinalReport.Slide.AIO.MAR2024.pptx
@@ -260,6 +260,11 @@
       </a:defRPr>
     </a:lvl9pPr>
   </p:defaultTextStyle>
+  <p:extLst>
+    <p:ext uri="{EFAFB233-063F-42B5-8137-9DF3F51BA10A}">
+      <p15:sldGuideLst xmlns:p15="http://schemas.microsoft.com/office/powerpoint/2012/main"/>
+    </p:ext>
+  </p:extLst>
 </p:presentation>
 </file>
 
@@ -8312,7 +8317,7 @@
               <a:rPr lang="en-US" sz="1600">
                 <a:hlinkClick r:id="rId3"/>
               </a:rPr>
-              <a:t>https://github.com/DucThien-19522261/PPNCKH-230201030.git</a:t>
+              <a:t>https://github.com/dddecemberrr/CS2205.MAR2024/</a:t>
             </a:r>
             <a:endParaRPr lang="en-US" sz="1600"/>
           </a:p>
